--- a/Itération_2.pptx
+++ b/Itération_2.pptx
@@ -7,10 +7,8 @@
   <p:sldIdLst>
     <p:sldId id="256" r:id="rId5"/>
     <p:sldId id="257" r:id="rId6"/>
-    <p:sldId id="258" r:id="rId7"/>
-    <p:sldId id="260" r:id="rId8"/>
-    <p:sldId id="259" r:id="rId9"/>
-    <p:sldId id="262" r:id="rId10"/>
+    <p:sldId id="260" r:id="rId7"/>
+    <p:sldId id="262" r:id="rId8"/>
   </p:sldIdLst>
   <p:sldSz cx="12192000" cy="6858000"/>
   <p:notesSz cx="6858000" cy="9144000"/>
@@ -287,7 +285,7 @@
             <a:fld id="{87DE6118-2437-4B30-8E3C-4D2BE6020583}" type="datetimeFigureOut">
               <a:rPr lang="en-US" dirty="0"/>
               <a:pPr/>
-              <a:t>5/17/2022</a:t>
+              <a:t>6/13/2022</a:t>
             </a:fld>
             <a:endParaRPr lang="en-US" dirty="0"/>
           </a:p>
@@ -613,7 +611,7 @@
           <a:p>
             <a:fld id="{87DE6118-2437-4B30-8E3C-4D2BE6020583}" type="datetimeFigureOut">
               <a:rPr lang="en-US" dirty="0"/>
-              <a:t>5/17/2022</a:t>
+              <a:t>6/13/2022</a:t>
             </a:fld>
             <a:endParaRPr lang="en-US" dirty="0"/>
           </a:p>
@@ -788,7 +786,7 @@
           <a:p>
             <a:fld id="{87DE6118-2437-4B30-8E3C-4D2BE6020583}" type="datetimeFigureOut">
               <a:rPr lang="en-US" dirty="0"/>
-              <a:t>5/17/2022</a:t>
+              <a:t>6/13/2022</a:t>
             </a:fld>
             <a:endParaRPr lang="en-US" dirty="0"/>
           </a:p>
@@ -953,7 +951,7 @@
           <a:p>
             <a:fld id="{87DE6118-2437-4B30-8E3C-4D2BE6020583}" type="datetimeFigureOut">
               <a:rPr lang="en-US" dirty="0"/>
-              <a:t>5/17/2022</a:t>
+              <a:t>6/13/2022</a:t>
             </a:fld>
             <a:endParaRPr lang="en-US" dirty="0"/>
           </a:p>
@@ -1226,7 +1224,7 @@
             <a:fld id="{87DE6118-2437-4B30-8E3C-4D2BE6020583}" type="datetimeFigureOut">
               <a:rPr lang="en-US" dirty="0"/>
               <a:pPr/>
-              <a:t>5/17/2022</a:t>
+              <a:t>6/13/2022</a:t>
             </a:fld>
             <a:endParaRPr lang="en-US" dirty="0"/>
           </a:p>
@@ -1616,7 +1614,7 @@
           <a:p>
             <a:fld id="{87DE6118-2437-4B30-8E3C-4D2BE6020583}" type="datetimeFigureOut">
               <a:rPr lang="en-US" dirty="0"/>
-              <a:t>5/17/2022</a:t>
+              <a:t>6/13/2022</a:t>
             </a:fld>
             <a:endParaRPr lang="en-US" dirty="0"/>
           </a:p>
@@ -2088,7 +2086,7 @@
           <a:p>
             <a:fld id="{87DE6118-2437-4B30-8E3C-4D2BE6020583}" type="datetimeFigureOut">
               <a:rPr lang="en-US" dirty="0"/>
-              <a:t>5/17/2022</a:t>
+              <a:t>6/13/2022</a:t>
             </a:fld>
             <a:endParaRPr lang="en-US" dirty="0"/>
           </a:p>
@@ -2201,7 +2199,7 @@
           <a:p>
             <a:fld id="{87DE6118-2437-4B30-8E3C-4D2BE6020583}" type="datetimeFigureOut">
               <a:rPr lang="en-US" dirty="0"/>
-              <a:t>5/17/2022</a:t>
+              <a:t>6/13/2022</a:t>
             </a:fld>
             <a:endParaRPr lang="en-US" dirty="0"/>
           </a:p>
@@ -2291,7 +2289,7 @@
           <a:p>
             <a:fld id="{87DE6118-2437-4B30-8E3C-4D2BE6020583}" type="datetimeFigureOut">
               <a:rPr lang="en-US" dirty="0"/>
-              <a:t>5/17/2022</a:t>
+              <a:t>6/13/2022</a:t>
             </a:fld>
             <a:endParaRPr lang="en-US" dirty="0"/>
           </a:p>
@@ -2633,7 +2631,7 @@
             <a:fld id="{87DE6118-2437-4B30-8E3C-4D2BE6020583}" type="datetimeFigureOut">
               <a:rPr lang="en-US" dirty="0"/>
               <a:pPr/>
-              <a:t>5/17/2022</a:t>
+              <a:t>6/13/2022</a:t>
             </a:fld>
             <a:endParaRPr lang="en-US" dirty="0"/>
           </a:p>
@@ -3018,7 +3016,7 @@
             <a:fld id="{87DE6118-2437-4B30-8E3C-4D2BE6020583}" type="datetimeFigureOut">
               <a:rPr lang="en-US" dirty="0"/>
               <a:pPr/>
-              <a:t>5/17/2022</a:t>
+              <a:t>6/13/2022</a:t>
             </a:fld>
             <a:endParaRPr lang="en-US" dirty="0"/>
           </a:p>
@@ -3293,7 +3291,7 @@
             <a:fld id="{87DE6118-2437-4B30-8E3C-4D2BE6020583}" type="datetimeFigureOut">
               <a:rPr lang="en-US" dirty="0"/>
               <a:pPr/>
-              <a:t>5/17/2022</a:t>
+              <a:t>6/13/2022</a:t>
             </a:fld>
             <a:endParaRPr lang="en-US" dirty="0"/>
           </a:p>
@@ -3947,36 +3945,47 @@
           <a:p>
             <a:r>
               <a:rPr lang="fr-FR" dirty="0"/>
-              <a:t>Créer les déplacements des pièces</a:t>
+              <a:t>Les déplacements des pièces</a:t>
             </a:r>
           </a:p>
           <a:p>
             <a:r>
               <a:rPr lang="fr-FR" dirty="0"/>
-              <a:t>Créer l’</a:t>
-            </a:r>
+              <a:t>Navigation entres les pages</a:t>
+            </a:r>
+          </a:p>
+          <a:p>
+            <a:r>
+              <a:rPr lang="fr-FR" dirty="0"/>
+              <a:t>Historique des coups</a:t>
+            </a:r>
+          </a:p>
+          <a:p>
+            <a:r>
+              <a:rPr lang="fr-FR" dirty="0"/>
+              <a:t>Tours</a:t>
+            </a:r>
+          </a:p>
+          <a:p>
+            <a:r>
+              <a:rPr lang="fr-FR" dirty="0"/>
+              <a:t>Coups spéciaux</a:t>
+            </a:r>
+          </a:p>
+          <a:p>
             <a:r>
               <a:rPr lang="fr-FR" dirty="0" err="1"/>
-              <a:t>acceuil</a:t>
-            </a:r>
-            <a:endParaRPr lang="fr-FR" dirty="0"/>
-          </a:p>
-          <a:p>
+              <a:t>Timer</a:t>
+            </a:r>
             <a:r>
               <a:rPr lang="fr-FR" dirty="0"/>
-              <a:t>Afficher Toutes les pièces</a:t>
+              <a:t> </a:t>
             </a:r>
           </a:p>
           <a:p>
             <a:r>
               <a:rPr lang="fr-FR" dirty="0"/>
-              <a:t>Ouvrir une fenêtre avec une grille</a:t>
-            </a:r>
-          </a:p>
-          <a:p>
-            <a:r>
-              <a:rPr lang="fr-FR" dirty="0"/>
-              <a:t>Déplacer les pièces</a:t>
+              <a:t>Gestion de fin de partie</a:t>
             </a:r>
           </a:p>
         </p:txBody>
@@ -4064,552 +4073,6 @@
           <p:cNvPr id="2" name="Titre 1">
             <a:extLst>
               <a:ext uri="{FF2B5EF4-FFF2-40B4-BE49-F238E27FC236}">
-                <a16:creationId xmlns:a16="http://schemas.microsoft.com/office/drawing/2014/main" id="{52203695-D86E-85FA-E7C4-EB27942381C5}"/>
-              </a:ext>
-            </a:extLst>
-          </p:cNvPr>
-          <p:cNvSpPr>
-            <a:spLocks noGrp="1"/>
-          </p:cNvSpPr>
-          <p:nvPr>
-            <p:ph type="title"/>
-          </p:nvPr>
-        </p:nvSpPr>
-        <p:spPr/>
-        <p:txBody>
-          <a:bodyPr/>
-          <a:lstStyle/>
-          <a:p>
-            <a:r>
-              <a:rPr lang="fr-FR" dirty="0"/>
-              <a:t>Créer le déplacement des pièces</a:t>
-            </a:r>
-          </a:p>
-        </p:txBody>
-      </p:sp>
-      <p:pic>
-        <p:nvPicPr>
-          <p:cNvPr id="5" name="Image 4">
-            <a:extLst>
-              <a:ext uri="{FF2B5EF4-FFF2-40B4-BE49-F238E27FC236}">
-                <a16:creationId xmlns:a16="http://schemas.microsoft.com/office/drawing/2014/main" id="{ABA973C9-DE80-E1A5-6091-D95751102161}"/>
-              </a:ext>
-            </a:extLst>
-          </p:cNvPr>
-          <p:cNvPicPr>
-            <a:picLocks noChangeAspect="1"/>
-          </p:cNvPicPr>
-          <p:nvPr/>
-        </p:nvPicPr>
-        <p:blipFill>
-          <a:blip r:embed="rId2"/>
-          <a:stretch>
-            <a:fillRect/>
-          </a:stretch>
-        </p:blipFill>
-        <p:spPr>
-          <a:xfrm>
-            <a:off x="1256614" y="2079002"/>
-            <a:ext cx="4915586" cy="1190791"/>
-          </a:xfrm>
-          <a:prstGeom prst="rect">
-            <a:avLst/>
-          </a:prstGeom>
-        </p:spPr>
-      </p:pic>
-      <p:sp>
-        <p:nvSpPr>
-          <p:cNvPr id="6" name="ZoneTexte 5">
-            <a:extLst>
-              <a:ext uri="{FF2B5EF4-FFF2-40B4-BE49-F238E27FC236}">
-                <a16:creationId xmlns:a16="http://schemas.microsoft.com/office/drawing/2014/main" id="{41F902A0-8592-3B0E-8395-153C01C46946}"/>
-              </a:ext>
-            </a:extLst>
-          </p:cNvPr>
-          <p:cNvSpPr txBox="1"/>
-          <p:nvPr/>
-        </p:nvSpPr>
-        <p:spPr>
-          <a:xfrm>
-            <a:off x="1256614" y="1677678"/>
-            <a:ext cx="4915586" cy="369332"/>
-          </a:xfrm>
-          <a:prstGeom prst="rect">
-            <a:avLst/>
-          </a:prstGeom>
-          <a:noFill/>
-        </p:spPr>
-        <p:txBody>
-          <a:bodyPr wrap="square" rtlCol="0">
-            <a:spAutoFit/>
-          </a:bodyPr>
-          <a:lstStyle/>
-          <a:p>
-            <a:r>
-              <a:rPr lang="fr-FR" u="sng" dirty="0" err="1">
-                <a:latin typeface="+mj-lt"/>
-              </a:rPr>
-              <a:t>Legal_Move</a:t>
-            </a:r>
-            <a:r>
-              <a:rPr lang="fr-FR" u="sng" dirty="0">
-                <a:latin typeface="+mj-lt"/>
-              </a:rPr>
-              <a:t> :</a:t>
-            </a:r>
-          </a:p>
-        </p:txBody>
-      </p:sp>
-      <p:grpSp>
-        <p:nvGrpSpPr>
-          <p:cNvPr id="23" name="Groupe 22">
-            <a:extLst>
-              <a:ext uri="{FF2B5EF4-FFF2-40B4-BE49-F238E27FC236}">
-                <a16:creationId xmlns:a16="http://schemas.microsoft.com/office/drawing/2014/main" id="{A4293F94-9FF3-6C4B-B3AB-4D4B6EBC3C22}"/>
-              </a:ext>
-            </a:extLst>
-          </p:cNvPr>
-          <p:cNvGrpSpPr/>
-          <p:nvPr/>
-        </p:nvGrpSpPr>
-        <p:grpSpPr>
-          <a:xfrm>
-            <a:off x="1256614" y="2106130"/>
-            <a:ext cx="5438827" cy="3959391"/>
-            <a:chOff x="1256614" y="2106130"/>
-            <a:chExt cx="5438827" cy="3959391"/>
-          </a:xfrm>
-        </p:grpSpPr>
-        <p:pic>
-          <p:nvPicPr>
-            <p:cNvPr id="12" name="Image 11">
-              <a:extLst>
-                <a:ext uri="{FF2B5EF4-FFF2-40B4-BE49-F238E27FC236}">
-                  <a16:creationId xmlns:a16="http://schemas.microsoft.com/office/drawing/2014/main" id="{7D8C0D6A-8436-AEE5-58E0-F980E23C90DE}"/>
-                </a:ext>
-              </a:extLst>
-            </p:cNvPr>
-            <p:cNvPicPr>
-              <a:picLocks noChangeAspect="1"/>
-            </p:cNvPicPr>
-            <p:nvPr/>
-          </p:nvPicPr>
-          <p:blipFill>
-            <a:blip r:embed="rId3"/>
-            <a:stretch>
-              <a:fillRect/>
-            </a:stretch>
-          </p:blipFill>
-          <p:spPr>
-            <a:xfrm>
-              <a:off x="1294714" y="2106130"/>
-              <a:ext cx="4839386" cy="736428"/>
-            </a:xfrm>
-            <a:prstGeom prst="rect">
-              <a:avLst/>
-            </a:prstGeom>
-          </p:spPr>
-        </p:pic>
-        <p:pic>
-          <p:nvPicPr>
-            <p:cNvPr id="18" name="Image 17">
-              <a:extLst>
-                <a:ext uri="{FF2B5EF4-FFF2-40B4-BE49-F238E27FC236}">
-                  <a16:creationId xmlns:a16="http://schemas.microsoft.com/office/drawing/2014/main" id="{4815ED70-214F-AE0E-A089-293FD53DD6D4}"/>
-                </a:ext>
-              </a:extLst>
-            </p:cNvPr>
-            <p:cNvPicPr>
-              <a:picLocks noChangeAspect="1"/>
-            </p:cNvPicPr>
-            <p:nvPr/>
-          </p:nvPicPr>
-          <p:blipFill>
-            <a:blip r:embed="rId4"/>
-            <a:stretch>
-              <a:fillRect/>
-            </a:stretch>
-          </p:blipFill>
-          <p:spPr>
-            <a:xfrm>
-              <a:off x="1294714" y="3038888"/>
-              <a:ext cx="3791479" cy="209579"/>
-            </a:xfrm>
-            <a:prstGeom prst="rect">
-              <a:avLst/>
-            </a:prstGeom>
-          </p:spPr>
-        </p:pic>
-        <p:pic>
-          <p:nvPicPr>
-            <p:cNvPr id="20" name="Image 19">
-              <a:extLst>
-                <a:ext uri="{FF2B5EF4-FFF2-40B4-BE49-F238E27FC236}">
-                  <a16:creationId xmlns:a16="http://schemas.microsoft.com/office/drawing/2014/main" id="{BE3116B3-DCA6-22B7-50B9-48A482EE4207}"/>
-                </a:ext>
-              </a:extLst>
-            </p:cNvPr>
-            <p:cNvPicPr>
-              <a:picLocks noChangeAspect="1"/>
-            </p:cNvPicPr>
-            <p:nvPr/>
-          </p:nvPicPr>
-          <p:blipFill rotWithShape="1">
-            <a:blip r:embed="rId5"/>
-            <a:srcRect r="16325"/>
-            <a:stretch/>
-          </p:blipFill>
-          <p:spPr>
-            <a:xfrm>
-              <a:off x="1256615" y="3466123"/>
-              <a:ext cx="5438826" cy="2240712"/>
-            </a:xfrm>
-            <a:prstGeom prst="rect">
-              <a:avLst/>
-            </a:prstGeom>
-          </p:spPr>
-        </p:pic>
-        <p:pic>
-          <p:nvPicPr>
-            <p:cNvPr id="22" name="Image 21">
-              <a:extLst>
-                <a:ext uri="{FF2B5EF4-FFF2-40B4-BE49-F238E27FC236}">
-                  <a16:creationId xmlns:a16="http://schemas.microsoft.com/office/drawing/2014/main" id="{5EDBBC03-70B1-1ACF-DE60-0071D03194B9}"/>
-                </a:ext>
-              </a:extLst>
-            </p:cNvPr>
-            <p:cNvPicPr>
-              <a:picLocks noChangeAspect="1"/>
-            </p:cNvPicPr>
-            <p:nvPr/>
-          </p:nvPicPr>
-          <p:blipFill rotWithShape="1">
-            <a:blip r:embed="rId6"/>
-            <a:srcRect t="1" r="14404" b="21786"/>
-            <a:stretch/>
-          </p:blipFill>
-          <p:spPr>
-            <a:xfrm>
-              <a:off x="1256614" y="5901603"/>
-              <a:ext cx="5438826" cy="163918"/>
-            </a:xfrm>
-            <a:prstGeom prst="rect">
-              <a:avLst/>
-            </a:prstGeom>
-          </p:spPr>
-        </p:pic>
-      </p:grpSp>
-      <p:pic>
-        <p:nvPicPr>
-          <p:cNvPr id="27" name="Image 26">
-            <a:extLst>
-              <a:ext uri="{FF2B5EF4-FFF2-40B4-BE49-F238E27FC236}">
-                <a16:creationId xmlns:a16="http://schemas.microsoft.com/office/drawing/2014/main" id="{459447BF-3216-61EA-77EC-DFAC8E970408}"/>
-              </a:ext>
-            </a:extLst>
-          </p:cNvPr>
-          <p:cNvPicPr>
-            <a:picLocks noChangeAspect="1"/>
-          </p:cNvPicPr>
-          <p:nvPr/>
-        </p:nvPicPr>
-        <p:blipFill>
-          <a:blip r:embed="rId7"/>
-          <a:stretch>
-            <a:fillRect/>
-          </a:stretch>
-        </p:blipFill>
-        <p:spPr>
-          <a:xfrm>
-            <a:off x="809574" y="2047010"/>
-            <a:ext cx="10407046" cy="3667050"/>
-          </a:xfrm>
-          <a:prstGeom prst="rect">
-            <a:avLst/>
-          </a:prstGeom>
-        </p:spPr>
-      </p:pic>
-      <p:pic>
-        <p:nvPicPr>
-          <p:cNvPr id="28" name="Image 27">
-            <a:extLst>
-              <a:ext uri="{FF2B5EF4-FFF2-40B4-BE49-F238E27FC236}">
-                <a16:creationId xmlns:a16="http://schemas.microsoft.com/office/drawing/2014/main" id="{3198AE58-7813-BDF9-E8EB-37AA22857544}"/>
-              </a:ext>
-            </a:extLst>
-          </p:cNvPr>
-          <p:cNvPicPr>
-            <a:picLocks noChangeAspect="1"/>
-          </p:cNvPicPr>
-          <p:nvPr/>
-        </p:nvPicPr>
-        <p:blipFill>
-          <a:blip r:embed="rId8"/>
-          <a:stretch>
-            <a:fillRect/>
-          </a:stretch>
-        </p:blipFill>
-        <p:spPr>
-          <a:xfrm>
-            <a:off x="7782171" y="5901603"/>
-            <a:ext cx="3153215" cy="790685"/>
-          </a:xfrm>
-          <a:prstGeom prst="rect">
-            <a:avLst/>
-          </a:prstGeom>
-          <a:ln>
-            <a:solidFill>
-              <a:schemeClr val="accent1"/>
-            </a:solidFill>
-          </a:ln>
-        </p:spPr>
-      </p:pic>
-    </p:spTree>
-    <p:extLst>
-      <p:ext uri="{BB962C8B-B14F-4D97-AF65-F5344CB8AC3E}">
-        <p14:creationId xmlns:p14="http://schemas.microsoft.com/office/powerpoint/2010/main" val="3544032031"/>
-      </p:ext>
-    </p:extLst>
-  </p:cSld>
-  <p:clrMapOvr>
-    <a:masterClrMapping/>
-  </p:clrMapOvr>
-  <p:transition spd="slow">
-    <p:push dir="u"/>
-  </p:transition>
-  <p:timing>
-    <p:tnLst>
-      <p:par>
-        <p:cTn id="1" dur="indefinite" restart="never" nodeType="tmRoot">
-          <p:childTnLst>
-            <p:seq concurrent="1" nextAc="seek">
-              <p:cTn id="2" dur="indefinite" nodeType="mainSeq">
-                <p:childTnLst>
-                  <p:par>
-                    <p:cTn id="3" fill="hold">
-                      <p:stCondLst>
-                        <p:cond delay="indefinite"/>
-                      </p:stCondLst>
-                      <p:childTnLst>
-                        <p:par>
-                          <p:cTn id="4" fill="hold">
-                            <p:stCondLst>
-                              <p:cond delay="0"/>
-                            </p:stCondLst>
-                            <p:childTnLst>
-                              <p:par>
-                                <p:cTn id="5" presetID="10" presetClass="entr" presetSubtype="0" fill="hold" nodeType="clickEffect">
-                                  <p:stCondLst>
-                                    <p:cond delay="0"/>
-                                  </p:stCondLst>
-                                  <p:childTnLst>
-                                    <p:set>
-                                      <p:cBhvr>
-                                        <p:cTn id="6" dur="1" fill="hold">
-                                          <p:stCondLst>
-                                            <p:cond delay="0"/>
-                                          </p:stCondLst>
-                                        </p:cTn>
-                                        <p:tgtEl>
-                                          <p:spTgt spid="23"/>
-                                        </p:tgtEl>
-                                        <p:attrNameLst>
-                                          <p:attrName>style.visibility</p:attrName>
-                                        </p:attrNameLst>
-                                      </p:cBhvr>
-                                      <p:to>
-                                        <p:strVal val="visible"/>
-                                      </p:to>
-                                    </p:set>
-                                    <p:animEffect transition="in" filter="fade">
-                                      <p:cBhvr>
-                                        <p:cTn id="7" dur="500"/>
-                                        <p:tgtEl>
-                                          <p:spTgt spid="23"/>
-                                        </p:tgtEl>
-                                      </p:cBhvr>
-                                    </p:animEffect>
-                                  </p:childTnLst>
-                                </p:cTn>
-                              </p:par>
-                              <p:par>
-                                <p:cTn id="8" presetID="1" presetClass="exit" presetSubtype="0" fill="hold" nodeType="withEffect">
-                                  <p:stCondLst>
-                                    <p:cond delay="0"/>
-                                  </p:stCondLst>
-                                  <p:childTnLst>
-                                    <p:set>
-                                      <p:cBhvr>
-                                        <p:cTn id="9" dur="1" fill="hold">
-                                          <p:stCondLst>
-                                            <p:cond delay="0"/>
-                                          </p:stCondLst>
-                                        </p:cTn>
-                                        <p:tgtEl>
-                                          <p:spTgt spid="5"/>
-                                        </p:tgtEl>
-                                        <p:attrNameLst>
-                                          <p:attrName>style.visibility</p:attrName>
-                                        </p:attrNameLst>
-                                      </p:cBhvr>
-                                      <p:to>
-                                        <p:strVal val="hidden"/>
-                                      </p:to>
-                                    </p:set>
-                                  </p:childTnLst>
-                                </p:cTn>
-                              </p:par>
-                            </p:childTnLst>
-                          </p:cTn>
-                        </p:par>
-                      </p:childTnLst>
-                    </p:cTn>
-                  </p:par>
-                  <p:par>
-                    <p:cTn id="10" fill="hold">
-                      <p:stCondLst>
-                        <p:cond delay="indefinite"/>
-                      </p:stCondLst>
-                      <p:childTnLst>
-                        <p:par>
-                          <p:cTn id="11" fill="hold">
-                            <p:stCondLst>
-                              <p:cond delay="0"/>
-                            </p:stCondLst>
-                            <p:childTnLst>
-                              <p:par>
-                                <p:cTn id="12" presetID="1" presetClass="entr" presetSubtype="0" fill="hold" nodeType="clickEffect">
-                                  <p:stCondLst>
-                                    <p:cond delay="0"/>
-                                  </p:stCondLst>
-                                  <p:childTnLst>
-                                    <p:set>
-                                      <p:cBhvr>
-                                        <p:cTn id="13" dur="1" fill="hold">
-                                          <p:stCondLst>
-                                            <p:cond delay="0"/>
-                                          </p:stCondLst>
-                                        </p:cTn>
-                                        <p:tgtEl>
-                                          <p:spTgt spid="27"/>
-                                        </p:tgtEl>
-                                        <p:attrNameLst>
-                                          <p:attrName>style.visibility</p:attrName>
-                                        </p:attrNameLst>
-                                      </p:cBhvr>
-                                      <p:to>
-                                        <p:strVal val="visible"/>
-                                      </p:to>
-                                    </p:set>
-                                  </p:childTnLst>
-                                </p:cTn>
-                              </p:par>
-                            </p:childTnLst>
-                          </p:cTn>
-                        </p:par>
-                      </p:childTnLst>
-                    </p:cTn>
-                  </p:par>
-                  <p:par>
-                    <p:cTn id="14" fill="hold">
-                      <p:stCondLst>
-                        <p:cond delay="indefinite"/>
-                      </p:stCondLst>
-                      <p:childTnLst>
-                        <p:par>
-                          <p:cTn id="15" fill="hold">
-                            <p:stCondLst>
-                              <p:cond delay="0"/>
-                            </p:stCondLst>
-                            <p:childTnLst>
-                              <p:par>
-                                <p:cTn id="16" presetID="10" presetClass="entr" presetSubtype="0" fill="hold" nodeType="clickEffect">
-                                  <p:stCondLst>
-                                    <p:cond delay="0"/>
-                                  </p:stCondLst>
-                                  <p:childTnLst>
-                                    <p:set>
-                                      <p:cBhvr>
-                                        <p:cTn id="17" dur="1" fill="hold">
-                                          <p:stCondLst>
-                                            <p:cond delay="0"/>
-                                          </p:stCondLst>
-                                        </p:cTn>
-                                        <p:tgtEl>
-                                          <p:spTgt spid="28"/>
-                                        </p:tgtEl>
-                                        <p:attrNameLst>
-                                          <p:attrName>style.visibility</p:attrName>
-                                        </p:attrNameLst>
-                                      </p:cBhvr>
-                                      <p:to>
-                                        <p:strVal val="visible"/>
-                                      </p:to>
-                                    </p:set>
-                                    <p:animEffect transition="in" filter="fade">
-                                      <p:cBhvr>
-                                        <p:cTn id="18" dur="500"/>
-                                        <p:tgtEl>
-                                          <p:spTgt spid="28"/>
-                                        </p:tgtEl>
-                                      </p:cBhvr>
-                                    </p:animEffect>
-                                  </p:childTnLst>
-                                </p:cTn>
-                              </p:par>
-                            </p:childTnLst>
-                          </p:cTn>
-                        </p:par>
-                      </p:childTnLst>
-                    </p:cTn>
-                  </p:par>
-                </p:childTnLst>
-              </p:cTn>
-              <p:prevCondLst>
-                <p:cond evt="onPrev" delay="0">
-                  <p:tgtEl>
-                    <p:sldTgt/>
-                  </p:tgtEl>
-                </p:cond>
-              </p:prevCondLst>
-              <p:nextCondLst>
-                <p:cond evt="onNext" delay="0">
-                  <p:tgtEl>
-                    <p:sldTgt/>
-                  </p:tgtEl>
-                </p:cond>
-              </p:nextCondLst>
-            </p:seq>
-          </p:childTnLst>
-        </p:cTn>
-      </p:par>
-    </p:tnLst>
-  </p:timing>
-</p:sld>
-</file>
-
-<file path=ppt/slides/slide4.xml><?xml version="1.0" encoding="utf-8"?>
-<p:sld xmlns:a="http://schemas.openxmlformats.org/drawingml/2006/main" xmlns:r="http://schemas.openxmlformats.org/officeDocument/2006/relationships" xmlns:p="http://schemas.openxmlformats.org/presentationml/2006/main">
-  <p:cSld>
-    <p:spTree>
-      <p:nvGrpSpPr>
-        <p:cNvPr id="1" name=""/>
-        <p:cNvGrpSpPr/>
-        <p:nvPr/>
-      </p:nvGrpSpPr>
-      <p:grpSpPr>
-        <a:xfrm>
-          <a:off x="0" y="0"/>
-          <a:ext cx="0" cy="0"/>
-          <a:chOff x="0" y="0"/>
-          <a:chExt cx="0" cy="0"/>
-        </a:xfrm>
-      </p:grpSpPr>
-      <p:sp>
-        <p:nvSpPr>
-          <p:cNvPr id="2" name="Titre 1">
-            <a:extLst>
-              <a:ext uri="{FF2B5EF4-FFF2-40B4-BE49-F238E27FC236}">
                 <a16:creationId xmlns:a16="http://schemas.microsoft.com/office/drawing/2014/main" id="{C3BFE3BE-8FFF-E281-113F-0FED0EEF2379}"/>
               </a:ext>
             </a:extLst>
@@ -4719,264 +4182,7 @@
 </p:sld>
 </file>
 
-<file path=ppt/slides/slide5.xml><?xml version="1.0" encoding="utf-8"?>
-<p:sld xmlns:a="http://schemas.openxmlformats.org/drawingml/2006/main" xmlns:r="http://schemas.openxmlformats.org/officeDocument/2006/relationships" xmlns:p="http://schemas.openxmlformats.org/presentationml/2006/main">
-  <p:cSld>
-    <p:spTree>
-      <p:nvGrpSpPr>
-        <p:cNvPr id="1" name=""/>
-        <p:cNvGrpSpPr/>
-        <p:nvPr/>
-      </p:nvGrpSpPr>
-      <p:grpSpPr>
-        <a:xfrm>
-          <a:off x="0" y="0"/>
-          <a:ext cx="0" cy="0"/>
-          <a:chOff x="0" y="0"/>
-          <a:chExt cx="0" cy="0"/>
-        </a:xfrm>
-      </p:grpSpPr>
-      <p:sp>
-        <p:nvSpPr>
-          <p:cNvPr id="2" name="Titre 1">
-            <a:extLst>
-              <a:ext uri="{FF2B5EF4-FFF2-40B4-BE49-F238E27FC236}">
-                <a16:creationId xmlns:a16="http://schemas.microsoft.com/office/drawing/2014/main" id="{E61E8BC9-5C48-990A-9045-C748EF56B76D}"/>
-              </a:ext>
-            </a:extLst>
-          </p:cNvPr>
-          <p:cNvSpPr>
-            <a:spLocks noGrp="1"/>
-          </p:cNvSpPr>
-          <p:nvPr>
-            <p:ph type="title"/>
-          </p:nvPr>
-        </p:nvSpPr>
-        <p:spPr/>
-        <p:txBody>
-          <a:bodyPr/>
-          <a:lstStyle/>
-          <a:p>
-            <a:r>
-              <a:rPr lang="fr-FR" u="sng" dirty="0"/>
-              <a:t>Créer l’accueil et règles :</a:t>
-            </a:r>
-          </a:p>
-        </p:txBody>
-      </p:sp>
-      <p:pic>
-        <p:nvPicPr>
-          <p:cNvPr id="5" name="Image 4">
-            <a:extLst>
-              <a:ext uri="{FF2B5EF4-FFF2-40B4-BE49-F238E27FC236}">
-                <a16:creationId xmlns:a16="http://schemas.microsoft.com/office/drawing/2014/main" id="{5D6B1084-5F89-FCBF-29D7-4B6411156F26}"/>
-              </a:ext>
-            </a:extLst>
-          </p:cNvPr>
-          <p:cNvPicPr>
-            <a:picLocks noChangeAspect="1"/>
-          </p:cNvPicPr>
-          <p:nvPr/>
-        </p:nvPicPr>
-        <p:blipFill>
-          <a:blip r:embed="rId2"/>
-          <a:stretch>
-            <a:fillRect/>
-          </a:stretch>
-        </p:blipFill>
-        <p:spPr>
-          <a:xfrm>
-            <a:off x="809154" y="1905782"/>
-            <a:ext cx="5830907" cy="4426687"/>
-          </a:xfrm>
-          <a:prstGeom prst="rect">
-            <a:avLst/>
-          </a:prstGeom>
-        </p:spPr>
-      </p:pic>
-      <p:pic>
-        <p:nvPicPr>
-          <p:cNvPr id="7" name="Image 6">
-            <a:extLst>
-              <a:ext uri="{FF2B5EF4-FFF2-40B4-BE49-F238E27FC236}">
-                <a16:creationId xmlns:a16="http://schemas.microsoft.com/office/drawing/2014/main" id="{48B4A9D6-7D17-8346-3D33-18BCE14FCFE8}"/>
-              </a:ext>
-            </a:extLst>
-          </p:cNvPr>
-          <p:cNvPicPr>
-            <a:picLocks noChangeAspect="1"/>
-          </p:cNvPicPr>
-          <p:nvPr/>
-        </p:nvPicPr>
-        <p:blipFill>
-          <a:blip r:embed="rId3"/>
-          <a:stretch>
-            <a:fillRect/>
-          </a:stretch>
-        </p:blipFill>
-        <p:spPr>
-          <a:xfrm>
-            <a:off x="6861408" y="1905782"/>
-            <a:ext cx="5191125" cy="4456228"/>
-          </a:xfrm>
-          <a:prstGeom prst="rect">
-            <a:avLst/>
-          </a:prstGeom>
-        </p:spPr>
-      </p:pic>
-    </p:spTree>
-    <p:extLst>
-      <p:ext uri="{BB962C8B-B14F-4D97-AF65-F5344CB8AC3E}">
-        <p14:creationId xmlns:p14="http://schemas.microsoft.com/office/powerpoint/2010/main" val="1001915528"/>
-      </p:ext>
-    </p:extLst>
-  </p:cSld>
-  <p:clrMapOvr>
-    <a:masterClrMapping/>
-  </p:clrMapOvr>
-  <p:transition spd="slow">
-    <p:push dir="u"/>
-  </p:transition>
-  <p:timing>
-    <p:tnLst>
-      <p:par>
-        <p:cTn id="1" dur="indefinite" restart="never" nodeType="tmRoot">
-          <p:childTnLst>
-            <p:seq concurrent="1" nextAc="seek">
-              <p:cTn id="2" dur="indefinite" nodeType="mainSeq">
-                <p:childTnLst>
-                  <p:par>
-                    <p:cTn id="3" fill="hold">
-                      <p:stCondLst>
-                        <p:cond delay="indefinite"/>
-                      </p:stCondLst>
-                      <p:childTnLst>
-                        <p:par>
-                          <p:cTn id="4" fill="hold">
-                            <p:stCondLst>
-                              <p:cond delay="0"/>
-                            </p:stCondLst>
-                            <p:childTnLst>
-                              <p:par>
-                                <p:cTn id="5" presetID="16" presetClass="entr" presetSubtype="37" fill="hold" nodeType="clickEffect">
-                                  <p:stCondLst>
-                                    <p:cond delay="0"/>
-                                  </p:stCondLst>
-                                  <p:childTnLst>
-                                    <p:set>
-                                      <p:cBhvr>
-                                        <p:cTn id="6" dur="1" fill="hold">
-                                          <p:stCondLst>
-                                            <p:cond delay="0"/>
-                                          </p:stCondLst>
-                                        </p:cTn>
-                                        <p:tgtEl>
-                                          <p:spTgt spid="5"/>
-                                        </p:tgtEl>
-                                        <p:attrNameLst>
-                                          <p:attrName>style.visibility</p:attrName>
-                                        </p:attrNameLst>
-                                      </p:cBhvr>
-                                      <p:to>
-                                        <p:strVal val="visible"/>
-                                      </p:to>
-                                    </p:set>
-                                    <p:animEffect transition="in" filter="barn(outVertical)">
-                                      <p:cBhvr>
-                                        <p:cTn id="7" dur="500"/>
-                                        <p:tgtEl>
-                                          <p:spTgt spid="5"/>
-                                        </p:tgtEl>
-                                      </p:cBhvr>
-                                    </p:animEffect>
-                                  </p:childTnLst>
-                                </p:cTn>
-                              </p:par>
-                            </p:childTnLst>
-                          </p:cTn>
-                        </p:par>
-                      </p:childTnLst>
-                    </p:cTn>
-                  </p:par>
-                  <p:par>
-                    <p:cTn id="8" fill="hold">
-                      <p:stCondLst>
-                        <p:cond delay="indefinite"/>
-                      </p:stCondLst>
-                      <p:childTnLst>
-                        <p:par>
-                          <p:cTn id="9" fill="hold">
-                            <p:stCondLst>
-                              <p:cond delay="0"/>
-                            </p:stCondLst>
-                            <p:childTnLst>
-                              <p:par>
-                                <p:cTn id="10" presetID="16" presetClass="entr" presetSubtype="37" fill="hold" nodeType="clickEffect">
-                                  <p:stCondLst>
-                                    <p:cond delay="0"/>
-                                  </p:stCondLst>
-                                  <p:childTnLst>
-                                    <p:set>
-                                      <p:cBhvr>
-                                        <p:cTn id="11" dur="1" fill="hold">
-                                          <p:stCondLst>
-                                            <p:cond delay="0"/>
-                                          </p:stCondLst>
-                                        </p:cTn>
-                                        <p:tgtEl>
-                                          <p:spTgt spid="7"/>
-                                        </p:tgtEl>
-                                        <p:attrNameLst>
-                                          <p:attrName>style.visibility</p:attrName>
-                                        </p:attrNameLst>
-                                      </p:cBhvr>
-                                      <p:to>
-                                        <p:strVal val="visible"/>
-                                      </p:to>
-                                    </p:set>
-                                    <p:animEffect transition="in" filter="barn(outVertical)">
-                                      <p:cBhvr>
-                                        <p:cTn id="12" dur="500"/>
-                                        <p:tgtEl>
-                                          <p:spTgt spid="7"/>
-                                        </p:tgtEl>
-                                      </p:cBhvr>
-                                    </p:animEffect>
-                                  </p:childTnLst>
-                                </p:cTn>
-                              </p:par>
-                            </p:childTnLst>
-                          </p:cTn>
-                        </p:par>
-                      </p:childTnLst>
-                    </p:cTn>
-                  </p:par>
-                </p:childTnLst>
-              </p:cTn>
-              <p:prevCondLst>
-                <p:cond evt="onPrev" delay="0">
-                  <p:tgtEl>
-                    <p:sldTgt/>
-                  </p:tgtEl>
-                </p:cond>
-              </p:prevCondLst>
-              <p:nextCondLst>
-                <p:cond evt="onNext" delay="0">
-                  <p:tgtEl>
-                    <p:sldTgt/>
-                  </p:tgtEl>
-                </p:cond>
-              </p:nextCondLst>
-            </p:seq>
-          </p:childTnLst>
-        </p:cTn>
-      </p:par>
-    </p:tnLst>
-  </p:timing>
-</p:sld>
-</file>
-
-<file path=ppt/slides/slide6.xml><?xml version="1.0" encoding="utf-8"?>
+<file path=ppt/slides/slide4.xml><?xml version="1.0" encoding="utf-8"?>
 <p:sld xmlns:a="http://schemas.openxmlformats.org/drawingml/2006/main" xmlns:r="http://schemas.openxmlformats.org/officeDocument/2006/relationships" xmlns:p="http://schemas.openxmlformats.org/presentationml/2006/main">
   <p:cSld>
     <p:spTree>
@@ -5093,7 +4299,7 @@
             </a:pPr>
             <a:r>
               <a:rPr lang="fr-FR" dirty="0"/>
-              <a:t>Afficher toutes les pièces</a:t>
+              <a:t>Merge les branches</a:t>
             </a:r>
           </a:p>
           <a:p>
@@ -5104,7 +4310,10 @@
               <a:buFont typeface="Wingdings" panose="05000000000000000000" pitchFamily="2" charset="2"/>
               <a:buChar char="ü"/>
             </a:pPr>
-            <a:endParaRPr lang="fr-FR" dirty="0"/>
+            <a:r>
+              <a:rPr lang="fr-FR" dirty="0"/>
+              <a:t>Prévision des déplacements</a:t>
+            </a:r>
           </a:p>
           <a:p>
             <a:pPr marL="342900" indent="-342900">
@@ -5116,58 +4325,7 @@
             </a:pPr>
             <a:r>
               <a:rPr lang="fr-FR" dirty="0"/>
-              <a:t>Créer l’</a:t>
-            </a:r>
-            <a:r>
-              <a:rPr lang="fr-FR" dirty="0" err="1"/>
-              <a:t>acceuil</a:t>
-            </a:r>
-            <a:endParaRPr lang="fr-FR" dirty="0"/>
-          </a:p>
-          <a:p>
-            <a:pPr marL="342900" indent="-342900">
-              <a:buClr>
-                <a:srgbClr val="00B050"/>
-              </a:buClr>
-              <a:buFont typeface="Wingdings" panose="05000000000000000000" pitchFamily="2" charset="2"/>
-              <a:buChar char="ü"/>
-            </a:pPr>
-            <a:endParaRPr lang="fr-FR" dirty="0"/>
-          </a:p>
-          <a:p>
-            <a:pPr marL="342900" indent="-342900">
-              <a:buClr>
-                <a:srgbClr val="00B050"/>
-              </a:buClr>
-              <a:buFont typeface="Wingdings" panose="05000000000000000000" pitchFamily="2" charset="2"/>
-              <a:buChar char="ü"/>
-            </a:pPr>
-            <a:r>
-              <a:rPr lang="fr-FR" dirty="0"/>
-              <a:t>Créer le déplacement des pièces</a:t>
-            </a:r>
-          </a:p>
-          <a:p>
-            <a:pPr marL="342900" indent="-342900">
-              <a:buClr>
-                <a:srgbClr val="00B050"/>
-              </a:buClr>
-              <a:buFont typeface="Wingdings" panose="05000000000000000000" pitchFamily="2" charset="2"/>
-              <a:buChar char="ü"/>
-            </a:pPr>
-            <a:endParaRPr lang="fr-FR" dirty="0"/>
-          </a:p>
-          <a:p>
-            <a:pPr marL="342900" indent="-342900">
-              <a:buClr>
-                <a:srgbClr val="00B050"/>
-              </a:buClr>
-              <a:buFont typeface="Wingdings" panose="05000000000000000000" pitchFamily="2" charset="2"/>
-              <a:buChar char="ü"/>
-            </a:pPr>
-            <a:r>
-              <a:rPr lang="fr-FR" dirty="0"/>
-              <a:t>Ouvrir une fenêtre avec une grille</a:t>
+              <a:t>Navigation entres les pages</a:t>
             </a:r>
           </a:p>
           <a:p>
@@ -5175,7 +4333,20 @@
               <a:buFont typeface="Wingdings" panose="05000000000000000000" pitchFamily="2" charset="2"/>
               <a:buChar char="ü"/>
             </a:pPr>
-            <a:endParaRPr lang="fr-FR" dirty="0"/>
+            <a:r>
+              <a:rPr lang="fr-FR" dirty="0"/>
+              <a:t>Gestion de fin de partie</a:t>
+            </a:r>
+          </a:p>
+          <a:p>
+            <a:pPr marL="342900" indent="-342900">
+              <a:buFont typeface="Wingdings" panose="05000000000000000000" pitchFamily="2" charset="2"/>
+              <a:buChar char="ü"/>
+            </a:pPr>
+            <a:r>
+              <a:rPr lang="fr-FR" dirty="0"/>
+              <a:t>déplacements</a:t>
+            </a:r>
           </a:p>
           <a:p>
             <a:pPr marL="342900" indent="-342900">
@@ -5186,8 +4357,48 @@
               <a:buChar char="×"/>
             </a:pPr>
             <a:r>
+              <a:rPr lang="fr-FR" dirty="0" err="1"/>
+              <a:t>Timer</a:t>
+            </a:r>
+            <a:endParaRPr lang="fr-FR" dirty="0"/>
+          </a:p>
+          <a:p>
+            <a:pPr marL="342900" indent="-342900">
+              <a:buClr>
+                <a:srgbClr val="C00000"/>
+              </a:buClr>
+              <a:buFont typeface="Franklin Gothic Book" panose="020B0503020102020204" pitchFamily="34" charset="0"/>
+              <a:buChar char="×"/>
+            </a:pPr>
+            <a:r>
               <a:rPr lang="fr-FR" dirty="0"/>
-              <a:t>Déplacer les pièces</a:t>
+              <a:t>Tours</a:t>
+            </a:r>
+          </a:p>
+          <a:p>
+            <a:pPr marL="342900" indent="-342900">
+              <a:buClr>
+                <a:srgbClr val="C00000"/>
+              </a:buClr>
+              <a:buFont typeface="Franklin Gothic Book" panose="020B0503020102020204" pitchFamily="34" charset="0"/>
+              <a:buChar char="×"/>
+            </a:pPr>
+            <a:r>
+              <a:rPr lang="fr-FR" dirty="0"/>
+              <a:t>Historique des coups</a:t>
+            </a:r>
+          </a:p>
+          <a:p>
+            <a:pPr marL="342900" indent="-342900">
+              <a:buClr>
+                <a:srgbClr val="C00000"/>
+              </a:buClr>
+              <a:buFont typeface="Franklin Gothic Book" panose="020B0503020102020204" pitchFamily="34" charset="0"/>
+              <a:buChar char="×"/>
+            </a:pPr>
+            <a:r>
+              <a:rPr lang="fr-FR" dirty="0"/>
+              <a:t>Coups spéciaux</a:t>
             </a:r>
           </a:p>
         </p:txBody>
@@ -5207,7 +4418,7 @@
         <p:spPr>
           <a:xfrm>
             <a:off x="8249799" y="4173679"/>
-            <a:ext cx="2681056" cy="1477328"/>
+            <a:ext cx="2681056" cy="923330"/>
           </a:xfrm>
           <a:prstGeom prst="rect">
             <a:avLst/>
@@ -5219,19 +4430,6 @@
             <a:spAutoFit/>
           </a:bodyPr>
           <a:lstStyle/>
-          <a:p>
-            <a:pPr marL="342900" indent="-342900">
-              <a:buClr>
-                <a:srgbClr val="0070C0"/>
-              </a:buClr>
-              <a:buFont typeface="Franklin Gothic Book" panose="020B0503020102020204" pitchFamily="34" charset="0"/>
-              <a:buChar char="→"/>
-            </a:pPr>
-            <a:r>
-              <a:rPr lang="fr-FR" dirty="0"/>
-              <a:t>Déplacement des pièces</a:t>
-            </a:r>
-          </a:p>
           <a:p>
             <a:pPr marL="342900" indent="-342900">
               <a:buClr>
@@ -5252,7 +4450,7 @@
             </a:pPr>
             <a:r>
               <a:rPr lang="fr-FR" dirty="0"/>
-              <a:t>Les règles spéciales</a:t>
+              <a:t>Finir le jeu</a:t>
             </a:r>
           </a:p>
           <a:p>
@@ -5379,7 +4577,7 @@
                                         <p:tgtEl>
                                           <p:spTgt spid="2">
                                             <p:txEl>
-                                              <p:pRg st="2" end="2"/>
+                                              <p:pRg st="1" end="1"/>
                                             </p:txEl>
                                           </p:spTgt>
                                         </p:tgtEl>
@@ -5397,7 +4595,7 @@
                                         <p:tgtEl>
                                           <p:spTgt spid="2">
                                             <p:txEl>
-                                              <p:pRg st="2" end="2"/>
+                                              <p:pRg st="1" end="1"/>
                                             </p:txEl>
                                           </p:spTgt>
                                         </p:tgtEl>
@@ -5440,7 +4638,7 @@
                                         <p:tgtEl>
                                           <p:spTgt spid="2">
                                             <p:txEl>
-                                              <p:pRg st="4" end="4"/>
+                                              <p:pRg st="2" end="2"/>
                                             </p:txEl>
                                           </p:spTgt>
                                         </p:tgtEl>
@@ -5458,7 +4656,7 @@
                                         <p:tgtEl>
                                           <p:spTgt spid="2">
                                             <p:txEl>
-                                              <p:pRg st="4" end="4"/>
+                                              <p:pRg st="2" end="2"/>
                                             </p:txEl>
                                           </p:spTgt>
                                         </p:tgtEl>
@@ -5501,7 +4699,7 @@
                                         <p:tgtEl>
                                           <p:spTgt spid="2">
                                             <p:txEl>
-                                              <p:pRg st="6" end="6"/>
+                                              <p:pRg st="3" end="3"/>
                                             </p:txEl>
                                           </p:spTgt>
                                         </p:tgtEl>
@@ -5519,7 +4717,7 @@
                                         <p:tgtEl>
                                           <p:spTgt spid="2">
                                             <p:txEl>
-                                              <p:pRg st="6" end="6"/>
+                                              <p:pRg st="3" end="3"/>
                                             </p:txEl>
                                           </p:spTgt>
                                         </p:tgtEl>
@@ -5562,7 +4760,7 @@
                                         <p:tgtEl>
                                           <p:spTgt spid="2">
                                             <p:txEl>
-                                              <p:pRg st="8" end="8"/>
+                                              <p:pRg st="4" end="4"/>
                                             </p:txEl>
                                           </p:spTgt>
                                         </p:tgtEl>
@@ -5580,7 +4778,7 @@
                                         <p:tgtEl>
                                           <p:spTgt spid="2">
                                             <p:txEl>
-                                              <p:pRg st="8" end="8"/>
+                                              <p:pRg st="4" end="4"/>
                                             </p:txEl>
                                           </p:spTgt>
                                         </p:tgtEl>
@@ -5621,9 +4819,9 @@
                                           </p:stCondLst>
                                         </p:cTn>
                                         <p:tgtEl>
-                                          <p:spTgt spid="6">
+                                          <p:spTgt spid="2">
                                             <p:txEl>
-                                              <p:pRg st="0" end="0"/>
+                                              <p:pRg st="5" end="5"/>
                                             </p:txEl>
                                           </p:spTgt>
                                         </p:tgtEl>
@@ -5639,9 +4837,9 @@
                                       <p:cBhvr>
                                         <p:cTn id="32" dur="500"/>
                                         <p:tgtEl>
-                                          <p:spTgt spid="6">
+                                          <p:spTgt spid="2">
                                             <p:txEl>
-                                              <p:pRg st="0" end="0"/>
+                                              <p:pRg st="5" end="5"/>
                                             </p:txEl>
                                           </p:spTgt>
                                         </p:tgtEl>
@@ -5682,9 +4880,9 @@
                                           </p:stCondLst>
                                         </p:cTn>
                                         <p:tgtEl>
-                                          <p:spTgt spid="6">
+                                          <p:spTgt spid="2">
                                             <p:txEl>
-                                              <p:pRg st="2" end="2"/>
+                                              <p:pRg st="6" end="6"/>
                                             </p:txEl>
                                           </p:spTgt>
                                         </p:tgtEl>
@@ -5700,9 +4898,131 @@
                                       <p:cBhvr>
                                         <p:cTn id="37" dur="500"/>
                                         <p:tgtEl>
-                                          <p:spTgt spid="6">
+                                          <p:spTgt spid="2">
                                             <p:txEl>
-                                              <p:pRg st="2" end="2"/>
+                                              <p:pRg st="6" end="6"/>
+                                            </p:txEl>
+                                          </p:spTgt>
+                                        </p:tgtEl>
+                                      </p:cBhvr>
+                                    </p:animEffect>
+                                  </p:childTnLst>
+                                </p:cTn>
+                              </p:par>
+                            </p:childTnLst>
+                          </p:cTn>
+                        </p:par>
+                      </p:childTnLst>
+                    </p:cTn>
+                  </p:par>
+                  <p:par>
+                    <p:cTn id="38" fill="hold">
+                      <p:stCondLst>
+                        <p:cond delay="indefinite"/>
+                      </p:stCondLst>
+                      <p:childTnLst>
+                        <p:par>
+                          <p:cTn id="39" fill="hold">
+                            <p:stCondLst>
+                              <p:cond delay="0"/>
+                            </p:stCondLst>
+                            <p:childTnLst>
+                              <p:par>
+                                <p:cTn id="40" presetID="10" presetClass="entr" presetSubtype="0" fill="hold" grpId="0" nodeType="clickEffect">
+                                  <p:stCondLst>
+                                    <p:cond delay="0"/>
+                                  </p:stCondLst>
+                                  <p:childTnLst>
+                                    <p:set>
+                                      <p:cBhvr>
+                                        <p:cTn id="41" dur="1" fill="hold">
+                                          <p:stCondLst>
+                                            <p:cond delay="0"/>
+                                          </p:stCondLst>
+                                        </p:cTn>
+                                        <p:tgtEl>
+                                          <p:spTgt spid="2">
+                                            <p:txEl>
+                                              <p:pRg st="7" end="7"/>
+                                            </p:txEl>
+                                          </p:spTgt>
+                                        </p:tgtEl>
+                                        <p:attrNameLst>
+                                          <p:attrName>style.visibility</p:attrName>
+                                        </p:attrNameLst>
+                                      </p:cBhvr>
+                                      <p:to>
+                                        <p:strVal val="visible"/>
+                                      </p:to>
+                                    </p:set>
+                                    <p:animEffect transition="in" filter="fade">
+                                      <p:cBhvr>
+                                        <p:cTn id="42" dur="500"/>
+                                        <p:tgtEl>
+                                          <p:spTgt spid="2">
+                                            <p:txEl>
+                                              <p:pRg st="7" end="7"/>
+                                            </p:txEl>
+                                          </p:spTgt>
+                                        </p:tgtEl>
+                                      </p:cBhvr>
+                                    </p:animEffect>
+                                  </p:childTnLst>
+                                </p:cTn>
+                              </p:par>
+                            </p:childTnLst>
+                          </p:cTn>
+                        </p:par>
+                      </p:childTnLst>
+                    </p:cTn>
+                  </p:par>
+                  <p:par>
+                    <p:cTn id="43" fill="hold">
+                      <p:stCondLst>
+                        <p:cond delay="indefinite"/>
+                      </p:stCondLst>
+                      <p:childTnLst>
+                        <p:par>
+                          <p:cTn id="44" fill="hold">
+                            <p:stCondLst>
+                              <p:cond delay="0"/>
+                            </p:stCondLst>
+                            <p:childTnLst>
+                              <p:par>
+                                <p:cTn id="45" presetID="10" presetClass="entr" presetSubtype="0" fill="hold" grpId="0" nodeType="clickEffect">
+                                  <p:stCondLst>
+                                    <p:cond delay="0"/>
+                                  </p:stCondLst>
+                                  <p:childTnLst>
+                                    <p:set>
+                                      <p:cBhvr>
+                                        <p:cTn id="46" dur="1" fill="hold">
+                                          <p:stCondLst>
+                                            <p:cond delay="0"/>
+                                          </p:stCondLst>
+                                        </p:cTn>
+                                        <p:tgtEl>
+                                          <p:spTgt spid="2">
+                                            <p:txEl>
+                                              <p:pRg st="8" end="8"/>
+                                            </p:txEl>
+                                          </p:spTgt>
+                                        </p:tgtEl>
+                                        <p:attrNameLst>
+                                          <p:attrName>style.visibility</p:attrName>
+                                        </p:attrNameLst>
+                                      </p:cBhvr>
+                                      <p:to>
+                                        <p:strVal val="visible"/>
+                                      </p:to>
+                                    </p:set>
+                                    <p:animEffect transition="in" filter="fade">
+                                      <p:cBhvr>
+                                        <p:cTn id="47" dur="500"/>
+                                        <p:tgtEl>
+                                          <p:spTgt spid="2">
+                                            <p:txEl>
+                                              <p:pRg st="8" end="8"/>
                                             </p:txEl>
                                           </p:spTgt>
                                         </p:tgtEl>
@@ -5740,7 +5060,6 @@
     </p:tnLst>
     <p:bldLst>
       <p:bldP spid="2" grpId="0" build="p"/>
-      <p:bldP spid="6" grpId="0" build="p"/>
     </p:bldLst>
   </p:timing>
 </p:sld>
@@ -6005,21 +5324,6 @@
 </file>
 
 <file path=customXml/item1.xml><?xml version="1.0" encoding="utf-8"?>
-<p:properties xmlns:p="http://schemas.microsoft.com/office/2006/metadata/properties" xmlns:xsi="http://www.w3.org/2001/XMLSchema-instance" xmlns:pc="http://schemas.microsoft.com/office/infopath/2007/PartnerControls">
-  <documentManagement/>
-</p:properties>
-</file>
-
-<file path=customXml/item2.xml><?xml version="1.0" encoding="utf-8"?>
-<?mso-contentType ?>
-<FormTemplates xmlns="http://schemas.microsoft.com/sharepoint/v3/contenttype/forms">
-  <Display>DocumentLibraryForm</Display>
-  <Edit>DocumentLibraryForm</Edit>
-  <New>DocumentLibraryForm</New>
-</FormTemplates>
-</file>
-
-<file path=customXml/item3.xml><?xml version="1.0" encoding="utf-8"?>
 <ct:contentTypeSchema xmlns:ct="http://schemas.microsoft.com/office/2006/metadata/contentType" xmlns:ma="http://schemas.microsoft.com/office/2006/metadata/properties/metaAttributes" ct:_="" ma:_="" ma:contentTypeName="Document" ma:contentTypeID="0x010100B87FE3362C4A0349A279BF8FFEE33B9D" ma:contentTypeVersion="9" ma:contentTypeDescription="Create a new document." ma:contentTypeScope="" ma:versionID="72efba213a1479b44bc0b54477cdf636">
   <xsd:schema xmlns:xsd="http://www.w3.org/2001/XMLSchema" xmlns:xs="http://www.w3.org/2001/XMLSchema" xmlns:p="http://schemas.microsoft.com/office/2006/metadata/properties" xmlns:ns3="bc426f74-a213-4f1f-a767-23e928421e5f" xmlns:ns4="9e486cfe-786a-450f-86de-71f0eeba4801" targetNamespace="http://schemas.microsoft.com/office/2006/metadata/properties" ma:root="true" ma:fieldsID="1b79904c21bd866d31317db2270bf489" ns3:_="" ns4:_="">
     <xsd:import namespace="bc426f74-a213-4f1f-a767-23e928421e5f"/>
@@ -6216,32 +5520,22 @@
 </ct:contentTypeSchema>
 </file>
 
-<file path=customXml/itemProps1.xml><?xml version="1.0" encoding="utf-8"?>
-<ds:datastoreItem xmlns:ds="http://schemas.openxmlformats.org/officeDocument/2006/customXml" ds:itemID="{7BB6B961-E381-4EBA-8E5D-0379E3E6D060}">
-  <ds:schemaRefs>
-    <ds:schemaRef ds:uri="http://schemas.microsoft.com/office/2006/metadata/properties"/>
-    <ds:schemaRef ds:uri="http://purl.org/dc/terms/"/>
-    <ds:schemaRef ds:uri="http://schemas.openxmlformats.org/package/2006/metadata/core-properties"/>
-    <ds:schemaRef ds:uri="http://schemas.microsoft.com/office/2006/documentManagement/types"/>
-    <ds:schemaRef ds:uri="bc426f74-a213-4f1f-a767-23e928421e5f"/>
-    <ds:schemaRef ds:uri="http://schemas.microsoft.com/office/infopath/2007/PartnerControls"/>
-    <ds:schemaRef ds:uri="http://purl.org/dc/elements/1.1/"/>
-    <ds:schemaRef ds:uri="9e486cfe-786a-450f-86de-71f0eeba4801"/>
-    <ds:schemaRef ds:uri="http://www.w3.org/XML/1998/namespace"/>
-    <ds:schemaRef ds:uri="http://purl.org/dc/dcmitype/"/>
-  </ds:schemaRefs>
-</ds:datastoreItem>
+<file path=customXml/item2.xml><?xml version="1.0" encoding="utf-8"?>
+<?mso-contentType ?>
+<FormTemplates xmlns="http://schemas.microsoft.com/sharepoint/v3/contenttype/forms">
+  <Display>DocumentLibraryForm</Display>
+  <Edit>DocumentLibraryForm</Edit>
+  <New>DocumentLibraryForm</New>
+</FormTemplates>
 </file>
 
-<file path=customXml/itemProps2.xml><?xml version="1.0" encoding="utf-8"?>
-<ds:datastoreItem xmlns:ds="http://schemas.openxmlformats.org/officeDocument/2006/customXml" ds:itemID="{7B9B38A5-1159-4B50-81DF-B9D922652E9A}">
-  <ds:schemaRefs>
-    <ds:schemaRef ds:uri="http://schemas.microsoft.com/sharepoint/v3/contenttype/forms"/>
-  </ds:schemaRefs>
-</ds:datastoreItem>
+<file path=customXml/item3.xml><?xml version="1.0" encoding="utf-8"?>
+<p:properties xmlns:p="http://schemas.microsoft.com/office/2006/metadata/properties" xmlns:xsi="http://www.w3.org/2001/XMLSchema-instance" xmlns:pc="http://schemas.microsoft.com/office/infopath/2007/PartnerControls">
+  <documentManagement/>
+</p:properties>
 </file>
 
-<file path=customXml/itemProps3.xml><?xml version="1.0" encoding="utf-8"?>
+<file path=customXml/itemProps1.xml><?xml version="1.0" encoding="utf-8"?>
 <ds:datastoreItem xmlns:ds="http://schemas.openxmlformats.org/officeDocument/2006/customXml" ds:itemID="{B98FAF6E-426B-4E6B-A36A-4A433C412DDC}">
   <ds:schemaRefs>
     <ds:schemaRef ds:uri="http://schemas.microsoft.com/office/2006/metadata/contentType"/>
@@ -6258,4 +5552,29 @@
     <ds:schemaRef ds:uri="http://schemas.microsoft.com/internal/obd"/>
   </ds:schemaRefs>
 </ds:datastoreItem>
+</file>
+
+<file path=customXml/itemProps2.xml><?xml version="1.0" encoding="utf-8"?>
+<ds:datastoreItem xmlns:ds="http://schemas.openxmlformats.org/officeDocument/2006/customXml" ds:itemID="{7B9B38A5-1159-4B50-81DF-B9D922652E9A}">
+  <ds:schemaRefs>
+    <ds:schemaRef ds:uri="http://schemas.microsoft.com/sharepoint/v3/contenttype/forms"/>
+  </ds:schemaRefs>
+</ds:datastoreItem>
+</file>
+
+<file path=customXml/itemProps3.xml><?xml version="1.0" encoding="utf-8"?>
+<ds:datastoreItem xmlns:ds="http://schemas.openxmlformats.org/officeDocument/2006/customXml" ds:itemID="{7BB6B961-E381-4EBA-8E5D-0379E3E6D060}">
+  <ds:schemaRefs>
+    <ds:schemaRef ds:uri="http://schemas.microsoft.com/office/2006/metadata/properties"/>
+    <ds:schemaRef ds:uri="http://purl.org/dc/terms/"/>
+    <ds:schemaRef ds:uri="http://schemas.openxmlformats.org/package/2006/metadata/core-properties"/>
+    <ds:schemaRef ds:uri="http://schemas.microsoft.com/office/2006/documentManagement/types"/>
+    <ds:schemaRef ds:uri="bc426f74-a213-4f1f-a767-23e928421e5f"/>
+    <ds:schemaRef ds:uri="http://schemas.microsoft.com/office/infopath/2007/PartnerControls"/>
+    <ds:schemaRef ds:uri="http://purl.org/dc/elements/1.1/"/>
+    <ds:schemaRef ds:uri="9e486cfe-786a-450f-86de-71f0eeba4801"/>
+    <ds:schemaRef ds:uri="http://www.w3.org/XML/1998/namespace"/>
+    <ds:schemaRef ds:uri="http://purl.org/dc/dcmitype/"/>
+  </ds:schemaRefs>
+</ds:datastoreItem>
 </file>